--- a/SE423/Lectures/6-Planning/Estimation.pptx
+++ b/SE423/Lectures/6-Planning/Estimation.pptx
@@ -301,7 +301,7 @@
           <a:p>
             <a:fld id="{41DA9887-9249-49FD-809A-BACB264048C3}" type="datetimeFigureOut">
               <a:rPr lang="en-US" smtClean="0"/>
-              <a:t>11/30/2022</a:t>
+              <a:t>2/9/2023</a:t>
             </a:fld>
             <a:endParaRPr lang="en-US"/>
           </a:p>
@@ -9035,7 +9035,7 @@
           <a:p>
             <a:fld id="{E1958616-2479-4A05-990A-53FF5F22A8E9}" type="datetime1">
               <a:rPr lang="en-US" smtClean="0"/>
-              <a:t>11/30/2022</a:t>
+              <a:t>2/9/2023</a:t>
             </a:fld>
             <a:endParaRPr lang="en-US"/>
           </a:p>
@@ -9314,7 +9314,7 @@
           <a:p>
             <a:fld id="{F0556A13-1104-4717-8FAB-01A70D605B8E}" type="datetime1">
               <a:rPr lang="en-US" smtClean="0"/>
-              <a:t>11/30/2022</a:t>
+              <a:t>2/9/2023</a:t>
             </a:fld>
             <a:endParaRPr lang="en-US"/>
           </a:p>
@@ -9492,7 +9492,7 @@
           <a:p>
             <a:fld id="{AB4FC7D4-99B5-46DE-86E2-A01CC1D2F98A}" type="datetime1">
               <a:rPr lang="en-US" smtClean="0"/>
-              <a:t>11/30/2022</a:t>
+              <a:t>2/9/2023</a:t>
             </a:fld>
             <a:endParaRPr lang="en-US"/>
           </a:p>
@@ -9738,7 +9738,7 @@
             </a:pPr>
             <a:fld id="{EC0FE8B9-4ABF-45D2-B8C3-A9A5AAF3BAD8}" type="datetime1">
               <a:rPr lang="en-US" smtClean="0"/>
-              <a:t>11/30/2022</a:t>
+              <a:t>2/9/2023</a:t>
             </a:fld>
             <a:endParaRPr lang="en-US"/>
           </a:p>
@@ -9919,7 +9919,7 @@
             </a:pPr>
             <a:fld id="{44362310-6FC5-4E5F-AB07-B8C804F05512}" type="datetime1">
               <a:rPr lang="en-US" smtClean="0"/>
-              <a:t>11/30/2022</a:t>
+              <a:t>2/9/2023</a:t>
             </a:fld>
             <a:endParaRPr lang="en-US"/>
           </a:p>
@@ -10197,7 +10197,7 @@
           <a:p>
             <a:fld id="{C38A215E-8AB1-47CE-9434-731F6B72AB89}" type="datetime1">
               <a:rPr lang="en-US" smtClean="0"/>
-              <a:t>11/30/2022</a:t>
+              <a:t>2/9/2023</a:t>
             </a:fld>
             <a:endParaRPr lang="en-US"/>
           </a:p>
@@ -10541,7 +10541,7 @@
           <a:p>
             <a:fld id="{DF4FE26C-D7C1-4F43-94CE-75E5BB56DFDA}" type="datetime1">
               <a:rPr lang="en-US" smtClean="0"/>
-              <a:t>11/30/2022</a:t>
+              <a:t>2/9/2023</a:t>
             </a:fld>
             <a:endParaRPr lang="en-US"/>
           </a:p>
@@ -10770,7 +10770,7 @@
           <a:p>
             <a:fld id="{A0EF2955-0D06-411A-800D-510CB2C7B86E}" type="datetime1">
               <a:rPr lang="en-US" smtClean="0"/>
-              <a:t>11/30/2022</a:t>
+              <a:t>2/9/2023</a:t>
             </a:fld>
             <a:endParaRPr lang="en-US"/>
           </a:p>
@@ -11134,7 +11134,7 @@
           <a:p>
             <a:fld id="{7424A79D-825C-45B7-9E35-EBE64ED6C3D8}" type="datetime1">
               <a:rPr lang="en-US" smtClean="0"/>
-              <a:t>11/30/2022</a:t>
+              <a:t>2/9/2023</a:t>
             </a:fld>
             <a:endParaRPr lang="en-US"/>
           </a:p>
@@ -11229,7 +11229,7 @@
           <a:p>
             <a:fld id="{136CAFD9-4E41-4D55-9A14-C456E436B4E9}" type="datetime1">
               <a:rPr lang="en-US" smtClean="0"/>
-              <a:t>11/30/2022</a:t>
+              <a:t>2/9/2023</a:t>
             </a:fld>
             <a:endParaRPr lang="en-US"/>
           </a:p>
@@ -11451,7 +11451,7 @@
             <a:fld id="{B2F5E2FA-C428-4CE7-95B0-168D3259A5BB}" type="datetimeFigureOut">
               <a:rPr lang="en-US" smtClean="0"/>
               <a:pPr/>
-              <a:t>11/30/2022</a:t>
+              <a:t>2/9/2023</a:t>
             </a:fld>
             <a:endParaRPr lang="en-US"/>
           </a:p>
@@ -11622,7 +11622,7 @@
           <a:p>
             <a:fld id="{8145D748-A1CE-457E-A14E-49BC18EBC0F4}" type="datetime1">
               <a:rPr lang="en-US" smtClean="0"/>
-              <a:t>11/30/2022</a:t>
+              <a:t>2/9/2023</a:t>
             </a:fld>
             <a:endParaRPr lang="en-US"/>
           </a:p>
@@ -11897,7 +11897,7 @@
           <a:p>
             <a:fld id="{B0103E8C-2BD5-4BA0-918B-3857B1C8C543}" type="datetime1">
               <a:rPr lang="en-US" smtClean="0"/>
-              <a:t>11/30/2022</a:t>
+              <a:t>2/9/2023</a:t>
             </a:fld>
             <a:endParaRPr lang="en-US"/>
           </a:p>
@@ -12149,7 +12149,7 @@
           <a:p>
             <a:fld id="{1466FBDD-38D5-4056-BCAB-2C7A923DF186}" type="datetime1">
               <a:rPr lang="en-US" smtClean="0"/>
-              <a:t>11/30/2022</a:t>
+              <a:t>2/9/2023</a:t>
             </a:fld>
             <a:endParaRPr lang="en-US"/>
           </a:p>
@@ -12360,7 +12360,7 @@
           <a:p>
             <a:fld id="{6DC68042-626B-4A29-B2BE-9989144D8C9D}" type="datetime1">
               <a:rPr lang="en-US" smtClean="0"/>
-              <a:t>11/30/2022</a:t>
+              <a:t>2/9/2023</a:t>
             </a:fld>
             <a:endParaRPr lang="en-US"/>
           </a:p>
@@ -20601,7 +20601,7 @@
               </a:lnSpc>
             </a:pPr>
             <a:r>
-              <a:rPr lang="en-US" altLang="en-US" i="1" u="sng" dirty="0" smtClean="0"/>
+              <a:rPr lang="en-US" altLang="en-US" i="1" dirty="0" smtClean="0"/>
               <a:t>Activity resource requirements</a:t>
             </a:r>
           </a:p>
@@ -20634,7 +20634,7 @@
               </a:lnSpc>
             </a:pPr>
             <a:r>
-              <a:rPr lang="en-US" altLang="en-US" i="1" u="sng" dirty="0" smtClean="0"/>
+              <a:rPr lang="en-US" altLang="en-US" i="1" dirty="0" smtClean="0"/>
               <a:t>Resource calendar</a:t>
             </a:r>
           </a:p>
@@ -20667,12 +20667,8 @@
               </a:lnSpc>
             </a:pPr>
             <a:r>
-              <a:rPr lang="en-US" altLang="en-US" i="1" u="sng" dirty="0" smtClean="0"/>
-              <a:t>Requested change</a:t>
-            </a:r>
-            <a:r>
               <a:rPr lang="en-US" altLang="en-US" i="1" dirty="0" smtClean="0"/>
-              <a:t>s</a:t>
+              <a:t>Requested changes</a:t>
             </a:r>
           </a:p>
           <a:p>

--- a/SE423/Lectures/6-Planning/Estimation.pptx
+++ b/SE423/Lectures/6-Planning/Estimation.pptx
@@ -298,7 +298,7 @@
           <a:p>
             <a:fld id="{41DA9887-9249-49FD-809A-BACB264048C3}" type="datetimeFigureOut">
               <a:rPr lang="en-US" smtClean="0"/>
-              <a:t>3/23/2023</a:t>
+              <a:t>3/27/2023</a:t>
             </a:fld>
             <a:endParaRPr lang="en-US"/>
           </a:p>
@@ -9032,7 +9032,7 @@
           <a:p>
             <a:fld id="{E1958616-2479-4A05-990A-53FF5F22A8E9}" type="datetime1">
               <a:rPr lang="en-US" smtClean="0"/>
-              <a:t>3/23/2023</a:t>
+              <a:t>3/27/2023</a:t>
             </a:fld>
             <a:endParaRPr lang="en-US"/>
           </a:p>
@@ -9311,7 +9311,7 @@
           <a:p>
             <a:fld id="{F0556A13-1104-4717-8FAB-01A70D605B8E}" type="datetime1">
               <a:rPr lang="en-US" smtClean="0"/>
-              <a:t>3/23/2023</a:t>
+              <a:t>3/27/2023</a:t>
             </a:fld>
             <a:endParaRPr lang="en-US"/>
           </a:p>
@@ -9489,7 +9489,7 @@
           <a:p>
             <a:fld id="{AB4FC7D4-99B5-46DE-86E2-A01CC1D2F98A}" type="datetime1">
               <a:rPr lang="en-US" smtClean="0"/>
-              <a:t>3/23/2023</a:t>
+              <a:t>3/27/2023</a:t>
             </a:fld>
             <a:endParaRPr lang="en-US"/>
           </a:p>
@@ -9735,7 +9735,7 @@
             </a:pPr>
             <a:fld id="{EC0FE8B9-4ABF-45D2-B8C3-A9A5AAF3BAD8}" type="datetime1">
               <a:rPr lang="en-US" smtClean="0"/>
-              <a:t>3/23/2023</a:t>
+              <a:t>3/27/2023</a:t>
             </a:fld>
             <a:endParaRPr lang="en-US"/>
           </a:p>
@@ -9916,7 +9916,7 @@
             </a:pPr>
             <a:fld id="{44362310-6FC5-4E5F-AB07-B8C804F05512}" type="datetime1">
               <a:rPr lang="en-US" smtClean="0"/>
-              <a:t>3/23/2023</a:t>
+              <a:t>3/27/2023</a:t>
             </a:fld>
             <a:endParaRPr lang="en-US"/>
           </a:p>
@@ -10194,7 +10194,7 @@
           <a:p>
             <a:fld id="{C38A215E-8AB1-47CE-9434-731F6B72AB89}" type="datetime1">
               <a:rPr lang="en-US" smtClean="0"/>
-              <a:t>3/23/2023</a:t>
+              <a:t>3/27/2023</a:t>
             </a:fld>
             <a:endParaRPr lang="en-US"/>
           </a:p>
@@ -10538,7 +10538,7 @@
           <a:p>
             <a:fld id="{DF4FE26C-D7C1-4F43-94CE-75E5BB56DFDA}" type="datetime1">
               <a:rPr lang="en-US" smtClean="0"/>
-              <a:t>3/23/2023</a:t>
+              <a:t>3/27/2023</a:t>
             </a:fld>
             <a:endParaRPr lang="en-US"/>
           </a:p>
@@ -10767,7 +10767,7 @@
           <a:p>
             <a:fld id="{A0EF2955-0D06-411A-800D-510CB2C7B86E}" type="datetime1">
               <a:rPr lang="en-US" smtClean="0"/>
-              <a:t>3/23/2023</a:t>
+              <a:t>3/27/2023</a:t>
             </a:fld>
             <a:endParaRPr lang="en-US"/>
           </a:p>
@@ -11131,7 +11131,7 @@
           <a:p>
             <a:fld id="{7424A79D-825C-45B7-9E35-EBE64ED6C3D8}" type="datetime1">
               <a:rPr lang="en-US" smtClean="0"/>
-              <a:t>3/23/2023</a:t>
+              <a:t>3/27/2023</a:t>
             </a:fld>
             <a:endParaRPr lang="en-US"/>
           </a:p>
@@ -11226,7 +11226,7 @@
           <a:p>
             <a:fld id="{136CAFD9-4E41-4D55-9A14-C456E436B4E9}" type="datetime1">
               <a:rPr lang="en-US" smtClean="0"/>
-              <a:t>3/23/2023</a:t>
+              <a:t>3/27/2023</a:t>
             </a:fld>
             <a:endParaRPr lang="en-US"/>
           </a:p>
@@ -11448,7 +11448,7 @@
             <a:fld id="{B2F5E2FA-C428-4CE7-95B0-168D3259A5BB}" type="datetimeFigureOut">
               <a:rPr lang="en-US" smtClean="0"/>
               <a:pPr/>
-              <a:t>3/23/2023</a:t>
+              <a:t>3/27/2023</a:t>
             </a:fld>
             <a:endParaRPr lang="en-US"/>
           </a:p>
@@ -11619,7 +11619,7 @@
           <a:p>
             <a:fld id="{8145D748-A1CE-457E-A14E-49BC18EBC0F4}" type="datetime1">
               <a:rPr lang="en-US" smtClean="0"/>
-              <a:t>3/23/2023</a:t>
+              <a:t>3/27/2023</a:t>
             </a:fld>
             <a:endParaRPr lang="en-US"/>
           </a:p>
@@ -11894,7 +11894,7 @@
           <a:p>
             <a:fld id="{B0103E8C-2BD5-4BA0-918B-3857B1C8C543}" type="datetime1">
               <a:rPr lang="en-US" smtClean="0"/>
-              <a:t>3/23/2023</a:t>
+              <a:t>3/27/2023</a:t>
             </a:fld>
             <a:endParaRPr lang="en-US"/>
           </a:p>
@@ -12146,7 +12146,7 @@
           <a:p>
             <a:fld id="{1466FBDD-38D5-4056-BCAB-2C7A923DF186}" type="datetime1">
               <a:rPr lang="en-US" smtClean="0"/>
-              <a:t>3/23/2023</a:t>
+              <a:t>3/27/2023</a:t>
             </a:fld>
             <a:endParaRPr lang="en-US"/>
           </a:p>
@@ -12357,7 +12357,7 @@
           <a:p>
             <a:fld id="{6DC68042-626B-4A29-B2BE-9989144D8C9D}" type="datetime1">
               <a:rPr lang="en-US" smtClean="0"/>
-              <a:t>3/23/2023</a:t>
+              <a:t>3/27/2023</a:t>
             </a:fld>
             <a:endParaRPr lang="en-US"/>
           </a:p>
@@ -19698,47 +19698,63 @@
           <a:lstStyle/>
           <a:p>
             <a:r>
-              <a:rPr lang="en-US" altLang="en-US" smtClean="0"/>
+              <a:rPr lang="en-US" altLang="en-US" dirty="0" smtClean="0"/>
               <a:t>Controlling factors in resource estimating </a:t>
             </a:r>
           </a:p>
           <a:p>
             <a:pPr lvl="1"/>
             <a:r>
-              <a:rPr lang="en-US" altLang="en-US" b="1"/>
-              <a:t>Enterprise environment</a:t>
-            </a:r>
-            <a:r>
-              <a:rPr lang="en-US" altLang="en-US"/>
-              <a:t>. May be defined by constraints and assumptions identified in Project Scope Statement </a:t>
+              <a:rPr lang="en-US" altLang="en-US" b="1" dirty="0"/>
+              <a:t>Enterprise </a:t>
+            </a:r>
+            <a:r>
+              <a:rPr lang="en-US" altLang="en-US" b="1" dirty="0" smtClean="0"/>
+              <a:t>environment</a:t>
+            </a:r>
+            <a:r>
+              <a:rPr lang="en-US" altLang="en-US" dirty="0" smtClean="0"/>
+              <a:t> </a:t>
+            </a:r>
+            <a:r>
+              <a:rPr lang="en-US" altLang="en-US" dirty="0"/>
+              <a:t>May be defined by constraints and assumptions identified in Project Scope Statement </a:t>
             </a:r>
           </a:p>
           <a:p>
             <a:pPr lvl="1"/>
             <a:r>
-              <a:rPr lang="en-US" altLang="en-US" b="1"/>
-              <a:t>Organization policy. </a:t>
-            </a:r>
-            <a:r>
-              <a:rPr lang="en-US" altLang="en-US"/>
+              <a:rPr lang="en-US" altLang="en-US" b="1" dirty="0"/>
+              <a:t>Organization </a:t>
+            </a:r>
+            <a:r>
+              <a:rPr lang="en-US" altLang="en-US" b="1" dirty="0" smtClean="0"/>
+              <a:t>policy </a:t>
+            </a:r>
+            <a:r>
+              <a:rPr lang="en-US" altLang="en-US" dirty="0"/>
               <a:t>How the organization allocates and manages resources from within and from without</a:t>
             </a:r>
           </a:p>
           <a:p>
             <a:pPr lvl="2"/>
             <a:r>
-              <a:rPr lang="en-US" altLang="en-US" sz="2400"/>
+              <a:rPr lang="en-US" altLang="en-US" sz="2400" dirty="0"/>
               <a:t>Note: Enterprise environment and organization policy may be closely-coupled</a:t>
             </a:r>
           </a:p>
           <a:p>
             <a:pPr lvl="1"/>
             <a:r>
-              <a:rPr lang="en-US" altLang="en-US" b="1"/>
-              <a:t>Resource availability. </a:t>
-            </a:r>
-            <a:r>
-              <a:rPr lang="en-US" altLang="en-US"/>
+              <a:rPr lang="en-US" altLang="en-US" b="1" dirty="0"/>
+              <a:t>Resource </a:t>
+            </a:r>
+            <a:r>
+              <a:rPr lang="en-US" altLang="en-US" b="1" dirty="0" smtClean="0"/>
+              <a:t>availability </a:t>
+            </a:r>
+            <a:r>
+              <a:rPr lang="en-US" altLang="en-US" dirty="0"/>
               <a:t>When the resource will be available for activities and whether dedicated or part-time</a:t>
             </a:r>
           </a:p>
@@ -19854,65 +19870,81 @@
           <a:p>
             <a:pPr eaLnBrk="1" hangingPunct="1"/>
             <a:r>
-              <a:rPr lang="en-US" altLang="en-US" b="1" i="1" smtClean="0"/>
-              <a:t>Expert judgment</a:t>
-            </a:r>
-            <a:r>
-              <a:rPr lang="en-US" altLang="en-US" b="1" smtClean="0"/>
-              <a:t>. </a:t>
-            </a:r>
-            <a:r>
-              <a:rPr lang="en-US" altLang="en-US" smtClean="0"/>
+              <a:rPr lang="en-US" altLang="en-US" b="1" i="1" dirty="0" smtClean="0"/>
+              <a:t>Expert </a:t>
+            </a:r>
+            <a:r>
+              <a:rPr lang="en-US" altLang="en-US" b="1" i="1" dirty="0" smtClean="0"/>
+              <a:t>judgment</a:t>
+            </a:r>
+            <a:r>
+              <a:rPr lang="en-US" altLang="en-US" b="1" dirty="0" smtClean="0"/>
+              <a:t> </a:t>
+            </a:r>
+            <a:r>
+              <a:rPr lang="en-US" altLang="en-US" dirty="0" smtClean="0"/>
               <a:t>One of the most effective tools for estimating. May be used in conjunction with other tools</a:t>
             </a:r>
           </a:p>
           <a:p>
             <a:pPr eaLnBrk="1" hangingPunct="1"/>
             <a:r>
-              <a:rPr lang="en-US" altLang="en-US" b="1" i="1" smtClean="0"/>
-              <a:t>Alternative analysis</a:t>
-            </a:r>
-            <a:r>
-              <a:rPr lang="en-US" altLang="en-US" smtClean="0"/>
-              <a:t>. Examines different approaches to applying resources, such as in-house development </a:t>
-            </a:r>
-            <a:r>
-              <a:rPr lang="en-US" altLang="en-US" i="1" smtClean="0"/>
+              <a:rPr lang="en-US" altLang="en-US" b="1" i="1" dirty="0" smtClean="0"/>
+              <a:t>Alternative </a:t>
+            </a:r>
+            <a:r>
+              <a:rPr lang="en-US" altLang="en-US" b="1" i="1" dirty="0" smtClean="0"/>
+              <a:t>analysis</a:t>
+            </a:r>
+            <a:r>
+              <a:rPr lang="en-US" altLang="en-US" dirty="0" smtClean="0"/>
+              <a:t> </a:t>
+            </a:r>
+            <a:r>
+              <a:rPr lang="en-US" altLang="en-US" dirty="0" smtClean="0"/>
+              <a:t>Examines different approaches to applying resources, such as in-house development </a:t>
+            </a:r>
+            <a:r>
+              <a:rPr lang="en-US" altLang="en-US" i="1" dirty="0" smtClean="0"/>
               <a:t>vs</a:t>
             </a:r>
             <a:r>
-              <a:rPr lang="en-US" altLang="en-US" smtClean="0"/>
+              <a:rPr lang="en-US" altLang="en-US" dirty="0" smtClean="0"/>
               <a:t>. contracting</a:t>
             </a:r>
             <a:r>
-              <a:rPr lang="en-US" altLang="en-US" i="1" smtClean="0"/>
+              <a:rPr lang="en-US" altLang="en-US" i="1" dirty="0" smtClean="0"/>
               <a:t> vs</a:t>
             </a:r>
             <a:r>
-              <a:rPr lang="en-US" altLang="en-US" smtClean="0"/>
+              <a:rPr lang="en-US" altLang="en-US" dirty="0" smtClean="0"/>
               <a:t>. COTS </a:t>
             </a:r>
           </a:p>
           <a:p>
             <a:pPr eaLnBrk="1" hangingPunct="1"/>
             <a:r>
-              <a:rPr lang="en-US" altLang="en-US" b="1" i="1" smtClean="0"/>
-              <a:t>Published estimating data</a:t>
-            </a:r>
-            <a:r>
-              <a:rPr lang="en-US" altLang="en-US" b="1" smtClean="0"/>
-              <a:t>. </a:t>
-            </a:r>
-            <a:r>
-              <a:rPr lang="en-US" altLang="en-US" smtClean="0"/>
+              <a:rPr lang="en-US" altLang="en-US" b="1" i="1" dirty="0" smtClean="0"/>
+              <a:t>Published estimating </a:t>
+            </a:r>
+            <a:r>
+              <a:rPr lang="en-US" altLang="en-US" b="1" i="1" dirty="0" smtClean="0"/>
+              <a:t>data</a:t>
+            </a:r>
+            <a:r>
+              <a:rPr lang="en-US" altLang="en-US" b="1" dirty="0" smtClean="0"/>
+              <a:t> </a:t>
+            </a:r>
+            <a:r>
+              <a:rPr lang="en-US" altLang="en-US" dirty="0" smtClean="0"/>
               <a:t>May be available in-house in form of historical project data or may be available from outside sources (</a:t>
             </a:r>
             <a:r>
-              <a:rPr lang="en-US" altLang="en-US" i="1" smtClean="0"/>
+              <a:rPr lang="en-US" altLang="en-US" i="1" dirty="0" smtClean="0"/>
               <a:t>e.g.</a:t>
             </a:r>
             <a:r>
-              <a:rPr lang="en-US" altLang="en-US" smtClean="0"/>
+              <a:rPr lang="en-US" altLang="en-US" dirty="0" smtClean="0"/>
               <a:t> unclassified U.S. Government-funded projects)</a:t>
             </a:r>
           </a:p>
@@ -20032,15 +20064,19 @@
               </a:lnSpc>
             </a:pPr>
             <a:r>
-              <a:rPr lang="en-US" altLang="en-US" b="1" i="1" smtClean="0"/>
-              <a:t>Project management software</a:t>
-            </a:r>
-            <a:r>
-              <a:rPr lang="en-US" altLang="en-US" b="1" smtClean="0"/>
-              <a:t>. </a:t>
-            </a:r>
-            <a:r>
-              <a:rPr lang="en-US" altLang="en-US" smtClean="0"/>
+              <a:rPr lang="en-US" altLang="en-US" b="1" i="1" dirty="0" smtClean="0"/>
+              <a:t>Project management </a:t>
+            </a:r>
+            <a:r>
+              <a:rPr lang="en-US" altLang="en-US" b="1" i="1" dirty="0" smtClean="0"/>
+              <a:t>software</a:t>
+            </a:r>
+            <a:r>
+              <a:rPr lang="en-US" altLang="en-US" b="1" dirty="0" smtClean="0"/>
+              <a:t> </a:t>
+            </a:r>
+            <a:r>
+              <a:rPr lang="en-US" altLang="en-US" dirty="0" smtClean="0"/>
               <a:t>PM software can provide automated assistance in defining resources, calendars, rates, etc.</a:t>
             </a:r>
           </a:p>
@@ -20051,7 +20087,7 @@
               </a:lnSpc>
             </a:pPr>
             <a:r>
-              <a:rPr lang="en-US" altLang="en-US" b="1" i="1" smtClean="0"/>
+              <a:rPr lang="en-US" altLang="en-US" b="1" i="1" dirty="0" smtClean="0"/>
               <a:t>Bottom-up estimating</a:t>
             </a:r>
           </a:p>
@@ -20062,7 +20098,7 @@
               </a:lnSpc>
             </a:pPr>
             <a:r>
-              <a:rPr lang="en-US" altLang="en-US"/>
+              <a:rPr lang="en-US" altLang="en-US" dirty="0"/>
               <a:t>Use if activity is a natural work package but still complex</a:t>
             </a:r>
           </a:p>
@@ -20073,7 +20109,7 @@
               </a:lnSpc>
             </a:pPr>
             <a:r>
-              <a:rPr lang="en-US" altLang="en-US"/>
+              <a:rPr lang="en-US" altLang="en-US" dirty="0"/>
               <a:t>Decompose activity into more manageable (estimable) pieces</a:t>
             </a:r>
           </a:p>
@@ -20084,7 +20120,7 @@
               </a:lnSpc>
             </a:pPr>
             <a:r>
-              <a:rPr lang="en-US" altLang="en-US"/>
+              <a:rPr lang="en-US" altLang="en-US" dirty="0"/>
               <a:t>Adhere to 100% rule: sum of activities should exactly equal work package (mind the scope!)</a:t>
             </a:r>
           </a:p>
@@ -20095,11 +20131,11 @@
               </a:lnSpc>
             </a:pPr>
             <a:r>
-              <a:rPr lang="en-US" altLang="en-US" i="1"/>
+              <a:rPr lang="en-US" altLang="en-US" i="1" dirty="0"/>
               <a:t>Example:</a:t>
             </a:r>
             <a:r>
-              <a:rPr lang="en-US" altLang="en-US"/>
+              <a:rPr lang="en-US" altLang="en-US" dirty="0"/>
               <a:t> Architectural quality and cost/benefit analysis (ATAM and CBAM)</a:t>
             </a:r>
           </a:p>
@@ -20649,7 +20685,7 @@
               </a:lnSpc>
             </a:pPr>
             <a:r>
-              <a:rPr lang="en-US" altLang="en-US" smtClean="0"/>
+              <a:rPr lang="en-US" altLang="en-US" dirty="0" smtClean="0"/>
               <a:t>Controlling factors in duration estimating</a:t>
             </a:r>
           </a:p>
@@ -20660,12 +20696,20 @@
               </a:lnSpc>
             </a:pPr>
             <a:r>
-              <a:rPr lang="en-US" altLang="en-US" b="1" i="1"/>
-              <a:t>Historical data</a:t>
-            </a:r>
-            <a:r>
-              <a:rPr lang="en-US" altLang="en-US"/>
-              <a:t>. If available, enterprise- or industry-specific historical data can be used as starting point for estimates</a:t>
+              <a:rPr lang="en-US" altLang="en-US" b="1" i="1" dirty="0"/>
+              <a:t>Historical </a:t>
+            </a:r>
+            <a:r>
+              <a:rPr lang="en-US" altLang="en-US" b="1" i="1" dirty="0" smtClean="0"/>
+              <a:t>data</a:t>
+            </a:r>
+            <a:r>
+              <a:rPr lang="en-US" altLang="en-US" dirty="0" smtClean="0"/>
+              <a:t> </a:t>
+            </a:r>
+            <a:r>
+              <a:rPr lang="en-US" altLang="en-US" dirty="0"/>
+              <a:t>If available, enterprise- or industry-specific historical data can be used as starting point for estimates</a:t>
             </a:r>
           </a:p>
           <a:p>
@@ -20675,12 +20719,20 @@
               </a:lnSpc>
             </a:pPr>
             <a:r>
-              <a:rPr lang="en-US" altLang="en-US" b="1" i="1"/>
-              <a:t>Activity resource requirements</a:t>
-            </a:r>
-            <a:r>
-              <a:rPr lang="en-US" altLang="en-US"/>
-              <a:t>. The type and number of resources applied to an activity must account for</a:t>
+              <a:rPr lang="en-US" altLang="en-US" b="1" i="1" dirty="0"/>
+              <a:t>Activity resource </a:t>
+            </a:r>
+            <a:r>
+              <a:rPr lang="en-US" altLang="en-US" b="1" i="1" dirty="0" smtClean="0"/>
+              <a:t>requirements</a:t>
+            </a:r>
+            <a:r>
+              <a:rPr lang="en-US" altLang="en-US" dirty="0" smtClean="0"/>
+              <a:t> </a:t>
+            </a:r>
+            <a:r>
+              <a:rPr lang="en-US" altLang="en-US" dirty="0"/>
+              <a:t>The type and number of resources applied to an activity must account for</a:t>
             </a:r>
           </a:p>
           <a:p>
@@ -20690,7 +20742,7 @@
               </a:lnSpc>
             </a:pPr>
             <a:r>
-              <a:rPr lang="en-US" altLang="en-US" sz="2400"/>
+              <a:rPr lang="en-US" altLang="en-US" sz="2400" dirty="0"/>
               <a:t>Resource qualifications</a:t>
             </a:r>
           </a:p>
@@ -20701,7 +20753,7 @@
               </a:lnSpc>
             </a:pPr>
             <a:r>
-              <a:rPr lang="en-US" altLang="en-US" sz="2400"/>
+              <a:rPr lang="en-US" altLang="en-US" sz="2400" dirty="0"/>
               <a:t>Quantity-quality productivity trade-offs: putting more people on a task may reduce productivity</a:t>
             </a:r>
           </a:p>
@@ -20712,15 +20764,19 @@
               </a:lnSpc>
             </a:pPr>
             <a:r>
-              <a:rPr lang="en-US" altLang="en-US" b="1" i="1"/>
-              <a:t>Resource calendars</a:t>
-            </a:r>
-            <a:r>
-              <a:rPr lang="en-US" altLang="en-US" b="1"/>
-              <a:t>. </a:t>
-            </a:r>
-            <a:r>
-              <a:rPr lang="en-US" altLang="en-US"/>
+              <a:rPr lang="en-US" altLang="en-US" b="1" i="1" dirty="0"/>
+              <a:t>Resource </a:t>
+            </a:r>
+            <a:r>
+              <a:rPr lang="en-US" altLang="en-US" b="1" i="1" dirty="0" smtClean="0"/>
+              <a:t>calendars</a:t>
+            </a:r>
+            <a:r>
+              <a:rPr lang="en-US" altLang="en-US" b="1" dirty="0" smtClean="0"/>
+              <a:t> </a:t>
+            </a:r>
+            <a:r>
+              <a:rPr lang="en-US" altLang="en-US" dirty="0"/>
               <a:t>Must account for full/part time commitments</a:t>
             </a:r>
           </a:p>
@@ -21000,59 +21056,71 @@
           <a:p>
             <a:pPr eaLnBrk="1" hangingPunct="1"/>
             <a:r>
-              <a:rPr lang="en-US" altLang="en-US" b="1" i="1" smtClean="0"/>
-              <a:t>Expert judgment</a:t>
-            </a:r>
-            <a:r>
-              <a:rPr lang="en-US" altLang="en-US" smtClean="0"/>
-              <a:t>. As in resource estimating, one of the most effective tools for estimating. May be used in conjunction with other tools</a:t>
+              <a:rPr lang="en-US" altLang="en-US" b="1" i="1" dirty="0" smtClean="0"/>
+              <a:t>Expert </a:t>
+            </a:r>
+            <a:r>
+              <a:rPr lang="en-US" altLang="en-US" b="1" i="1" dirty="0" smtClean="0"/>
+              <a:t>judgment</a:t>
+            </a:r>
+            <a:r>
+              <a:rPr lang="en-US" altLang="en-US" dirty="0" smtClean="0"/>
+              <a:t> </a:t>
+            </a:r>
+            <a:r>
+              <a:rPr lang="en-US" altLang="en-US" dirty="0" smtClean="0"/>
+              <a:t>As in resource estimating, one of the most effective tools for estimating. May be used in conjunction with other tools</a:t>
             </a:r>
           </a:p>
           <a:p>
             <a:pPr eaLnBrk="1" hangingPunct="1"/>
             <a:r>
-              <a:rPr lang="en-US" altLang="en-US" b="1" i="1" smtClean="0"/>
-              <a:t>Analogous estimating</a:t>
-            </a:r>
-            <a:r>
-              <a:rPr lang="en-US" altLang="en-US" b="1" smtClean="0"/>
-              <a:t>.</a:t>
-            </a:r>
-            <a:r>
-              <a:rPr lang="en-US" altLang="en-US" smtClean="0"/>
-              <a:t> Estimation based on similar activities performed in a previous project</a:t>
+              <a:rPr lang="en-US" altLang="en-US" b="1" i="1" dirty="0" smtClean="0"/>
+              <a:t>Analogous </a:t>
+            </a:r>
+            <a:r>
+              <a:rPr lang="en-US" altLang="en-US" b="1" i="1" dirty="0" smtClean="0"/>
+              <a:t>estimating</a:t>
+            </a:r>
+            <a:r>
+              <a:rPr lang="en-US" altLang="en-US" dirty="0" smtClean="0"/>
+              <a:t> </a:t>
+            </a:r>
+            <a:r>
+              <a:rPr lang="en-US" altLang="en-US" dirty="0" smtClean="0"/>
+              <a:t>Estimation based on similar activities performed in a previous project</a:t>
             </a:r>
           </a:p>
           <a:p>
             <a:pPr lvl="1" eaLnBrk="1" hangingPunct="1"/>
             <a:r>
-              <a:rPr lang="en-US" altLang="en-US"/>
+              <a:rPr lang="en-US" altLang="en-US" dirty="0"/>
               <a:t>Most useful if both activity and project are more similar than different </a:t>
             </a:r>
           </a:p>
           <a:p>
             <a:pPr lvl="1" eaLnBrk="1" hangingPunct="1"/>
             <a:r>
-              <a:rPr lang="en-US" altLang="en-US"/>
+              <a:rPr lang="en-US" altLang="en-US" dirty="0"/>
               <a:t>Document similarities </a:t>
             </a:r>
             <a:r>
-              <a:rPr lang="en-US" altLang="en-US" i="1"/>
+              <a:rPr lang="en-US" altLang="en-US" i="1" dirty="0"/>
               <a:t>and</a:t>
             </a:r>
             <a:r>
-              <a:rPr lang="en-US" altLang="en-US"/>
+              <a:rPr lang="en-US" altLang="en-US" dirty="0"/>
               <a:t> differences</a:t>
             </a:r>
           </a:p>
           <a:p>
             <a:pPr lvl="1" eaLnBrk="1" hangingPunct="1"/>
             <a:r>
-              <a:rPr lang="en-US" altLang="en-US" i="1"/>
+              <a:rPr lang="en-US" altLang="en-US" i="1" dirty="0"/>
               <a:t>Example:</a:t>
             </a:r>
             <a:r>
-              <a:rPr lang="en-US" altLang="en-US"/>
+              <a:rPr lang="en-US" altLang="en-US" dirty="0"/>
               <a:t> Developing the database schema for a project in the same domain and of similar scope</a:t>
             </a:r>
           </a:p>
@@ -21835,41 +21903,45 @@
           <a:p>
             <a:pPr eaLnBrk="1" hangingPunct="1"/>
             <a:r>
-              <a:rPr lang="en-US" altLang="en-US" b="1" i="1" smtClean="0"/>
-              <a:t>Reserve analysis</a:t>
-            </a:r>
-            <a:r>
-              <a:rPr lang="en-US" altLang="en-US" b="1" smtClean="0"/>
-              <a:t>. </a:t>
-            </a:r>
-            <a:r>
-              <a:rPr lang="en-US" altLang="en-US" smtClean="0"/>
+              <a:rPr lang="en-US" altLang="en-US" b="1" i="1" dirty="0" smtClean="0"/>
+              <a:t>Reserve </a:t>
+            </a:r>
+            <a:r>
+              <a:rPr lang="en-US" altLang="en-US" b="1" i="1" dirty="0" smtClean="0"/>
+              <a:t>analysis</a:t>
+            </a:r>
+            <a:r>
+              <a:rPr lang="en-US" altLang="en-US" b="1" dirty="0" smtClean="0"/>
+              <a:t> </a:t>
+            </a:r>
+            <a:r>
+              <a:rPr lang="en-US" altLang="en-US" dirty="0" smtClean="0"/>
               <a:t>Contingency or time reserves can be added to schedule to allow for schedule risks</a:t>
             </a:r>
           </a:p>
           <a:p>
             <a:pPr lvl="1" eaLnBrk="1" hangingPunct="1"/>
             <a:r>
-              <a:rPr lang="en-US" altLang="en-US" i="1" u="sng"/>
+              <a:rPr lang="en-US" altLang="en-US" i="1" u="sng" dirty="0"/>
               <a:t>Contingency reserves</a:t>
             </a:r>
             <a:r>
-              <a:rPr lang="en-US" altLang="en-US"/>
+              <a:rPr lang="en-US" altLang="en-US" dirty="0"/>
               <a:t> may be used or adjusted as more precise project information becomes available</a:t>
             </a:r>
           </a:p>
           <a:p>
             <a:pPr lvl="1" eaLnBrk="1" hangingPunct="1"/>
             <a:r>
-              <a:rPr lang="en-US" altLang="en-US"/>
+              <a:rPr lang="en-US" altLang="en-US" dirty="0"/>
               <a:t>Aka </a:t>
             </a:r>
             <a:r>
-              <a:rPr lang="en-US" altLang="en-US" i="1"/>
+              <a:rPr lang="en-US" altLang="en-US" i="1" dirty="0"/>
               <a:t>buffer time</a:t>
             </a:r>
             <a:r>
-              <a:rPr lang="en-US" altLang="en-US"/>
+              <a:rPr lang="en-US" altLang="en-US" dirty="0"/>
               <a:t>. Do not confuse with slack time.</a:t>
             </a:r>
           </a:p>
@@ -21880,22 +21952,22 @@
               </a:lnSpc>
             </a:pPr>
             <a:r>
-              <a:rPr lang="en-US" altLang="en-US" b="1" i="1" smtClean="0"/>
+              <a:rPr lang="en-US" altLang="en-US" b="1" i="1" dirty="0" smtClean="0"/>
               <a:t>Three-point estimating techniques</a:t>
             </a:r>
             <a:r>
-              <a:rPr lang="en-US" altLang="en-US" b="1" smtClean="0"/>
+              <a:rPr lang="en-US" altLang="en-US" b="1" dirty="0" smtClean="0"/>
               <a:t> </a:t>
             </a:r>
             <a:r>
-              <a:rPr lang="en-US" altLang="en-US" smtClean="0"/>
+              <a:rPr lang="en-US" altLang="en-US" dirty="0" smtClean="0"/>
               <a:t>use a mathematical combination of three different estimates: </a:t>
             </a:r>
             <a:r>
-              <a:rPr lang="en-US" altLang="en-US" i="1" smtClean="0"/>
+              <a:rPr lang="en-US" altLang="en-US" i="1" dirty="0" smtClean="0"/>
               <a:t>Most likely, Optimistic, and Pessimistic</a:t>
             </a:r>
-            <a:endParaRPr lang="en-US" altLang="en-US" smtClean="0"/>
+            <a:endParaRPr lang="en-US" altLang="en-US" dirty="0" smtClean="0"/>
           </a:p>
           <a:p>
             <a:pPr lvl="1" eaLnBrk="1" hangingPunct="1">
@@ -21904,7 +21976,7 @@
               </a:lnSpc>
             </a:pPr>
             <a:r>
-              <a:rPr lang="en-US" altLang="en-US"/>
+              <a:rPr lang="en-US" altLang="en-US" dirty="0"/>
               <a:t>There are variations in defining each of these estimates among different techniques</a:t>
             </a:r>
           </a:p>
